--- a/documentation/DL4G.pptx
+++ b/documentation/DL4G.pptx
@@ -17,11 +17,10 @@
     <p:sldId id="269" r:id="rId11"/>
     <p:sldId id="268" r:id="rId12"/>
     <p:sldId id="272" r:id="rId13"/>
-    <p:sldId id="271" r:id="rId14"/>
-    <p:sldId id="270" r:id="rId15"/>
-    <p:sldId id="275" r:id="rId16"/>
-    <p:sldId id="274" r:id="rId17"/>
-    <p:sldId id="273" r:id="rId18"/>
+    <p:sldId id="270" r:id="rId14"/>
+    <p:sldId id="275" r:id="rId15"/>
+    <p:sldId id="274" r:id="rId16"/>
+    <p:sldId id="273" r:id="rId17"/>
   </p:sldIdLst>
   <p:sldSz cx="12192000" cy="6858000"/>
   <p:notesSz cx="6858000" cy="9144000"/>
@@ -7440,128 +7439,17 @@
               <a:buChar char="v"/>
             </a:pPr>
             <a:r>
+              <a:rPr lang="de-CH" sz="3200" dirty="0"/>
+              <a:t>Inputs bim </a:t>
+            </a:r>
+            <a:r>
               <a:rPr lang="de-CH" sz="3200" dirty="0" err="1"/>
-              <a:t>model</a:t>
+              <a:t>spele</a:t>
             </a:r>
             <a:r>
               <a:rPr lang="de-CH" sz="3200" dirty="0"/>
-              <a:t> trainiere</a:t>
-            </a:r>
-          </a:p>
-          <a:p>
-            <a:pPr marL="914400" lvl="1" indent="-457200">
-              <a:buFont typeface="Wingdings" panose="05000000000000000000" pitchFamily="2" charset="2"/>
-              <a:buChar char="v"/>
-            </a:pPr>
-            <a:r>
-              <a:rPr lang="de-CH" sz="3200" dirty="0"/>
-              <a:t>Training </a:t>
-            </a:r>
-            <a:r>
-              <a:rPr lang="de-CH" sz="3200" dirty="0" err="1"/>
-              <a:t>för</a:t>
-            </a:r>
-            <a:r>
-              <a:rPr lang="de-CH" sz="3200" dirty="0"/>
-              <a:t> </a:t>
-            </a:r>
-            <a:r>
-              <a:rPr lang="de-CH" sz="3200" dirty="0" err="1"/>
-              <a:t>s’maximum</a:t>
-            </a:r>
-            <a:r>
-              <a:rPr lang="de-CH" sz="3200" dirty="0"/>
-              <a:t> </a:t>
-            </a:r>
-            <a:r>
-              <a:rPr lang="de-CH" sz="3200" dirty="0" err="1"/>
-              <a:t>fom</a:t>
-            </a:r>
-            <a:r>
-              <a:rPr lang="de-CH" sz="3200" dirty="0"/>
-              <a:t> score</a:t>
-            </a:r>
-          </a:p>
-          <a:p>
-            <a:pPr marL="914400" lvl="1" indent="-457200">
-              <a:buFont typeface="Wingdings" panose="05000000000000000000" pitchFamily="2" charset="2"/>
-              <a:buChar char="v"/>
-            </a:pPr>
-            <a:r>
-              <a:rPr lang="de-CH" sz="3200" dirty="0"/>
-              <a:t>Halbwegs OK: 0.4 </a:t>
-            </a:r>
-            <a:r>
-              <a:rPr lang="de-CH" sz="3200" dirty="0" err="1"/>
-              <a:t>gnauigkeit</a:t>
-            </a:r>
-            <a:endParaRPr lang="de-CH" sz="3200" dirty="0"/>
-          </a:p>
-          <a:p>
-            <a:pPr marL="914400" lvl="1" indent="-457200">
-              <a:buFont typeface="Wingdings" panose="05000000000000000000" pitchFamily="2" charset="2"/>
-              <a:buChar char="v"/>
-            </a:pPr>
-            <a:r>
-              <a:rPr lang="de-CH" sz="3200" dirty="0" err="1"/>
-              <a:t>No</a:t>
-            </a:r>
-            <a:r>
-              <a:rPr lang="de-CH" sz="3200" dirty="0"/>
-              <a:t> </a:t>
-            </a:r>
-            <a:r>
-              <a:rPr lang="de-CH" sz="3200" dirty="0" err="1"/>
-              <a:t>kei</a:t>
-            </a:r>
-            <a:r>
-              <a:rPr lang="de-CH" sz="3200" dirty="0"/>
-              <a:t> </a:t>
-            </a:r>
-            <a:r>
-              <a:rPr lang="de-CH" sz="3200" dirty="0" err="1"/>
-              <a:t>filterig</a:t>
-            </a:r>
-            <a:r>
-              <a:rPr lang="de-CH" sz="3200" dirty="0"/>
-              <a:t> </a:t>
-            </a:r>
-            <a:r>
-              <a:rPr lang="de-CH" sz="3200" dirty="0" err="1"/>
-              <a:t>gege</a:t>
-            </a:r>
-            <a:r>
-              <a:rPr lang="de-CH" sz="3200" dirty="0"/>
-              <a:t> </a:t>
-            </a:r>
-            <a:r>
-              <a:rPr lang="de-CH" sz="3200" dirty="0" err="1"/>
-              <a:t>schlechti</a:t>
-            </a:r>
-            <a:r>
-              <a:rPr lang="de-CH" sz="3200" dirty="0"/>
-              <a:t> </a:t>
-            </a:r>
-            <a:r>
-              <a:rPr lang="de-CH" sz="3200" dirty="0" err="1"/>
-              <a:t>speler</a:t>
-            </a:r>
-            <a:endParaRPr lang="de-CH" sz="3200" dirty="0"/>
-          </a:p>
-          <a:p>
-            <a:pPr marL="914400" lvl="1" indent="-457200">
-              <a:buFont typeface="Wingdings" panose="05000000000000000000" pitchFamily="2" charset="2"/>
-              <a:buChar char="v"/>
-            </a:pPr>
-            <a:r>
-              <a:rPr lang="de-CH" sz="3200" dirty="0"/>
-              <a:t>Kei </a:t>
-            </a:r>
-            <a:r>
-              <a:rPr lang="de-CH" sz="3200" dirty="0" err="1"/>
-              <a:t>features</a:t>
-            </a:r>
-            <a:endParaRPr lang="de-CH" sz="3200" dirty="0"/>
+              <a:t> falsch berechnet?</a:t>
+            </a:r>
           </a:p>
           <a:p>
             <a:pPr marL="457200" indent="-457200">
@@ -7569,8 +7457,20 @@
               <a:buChar char="v"/>
             </a:pPr>
             <a:r>
+              <a:rPr lang="de-CH" sz="3200" dirty="0"/>
+              <a:t>Trainiere falsch </a:t>
+            </a:r>
+            <a:r>
               <a:rPr lang="de-CH" sz="3200" dirty="0" err="1"/>
-              <a:t>while</a:t>
+              <a:t>iigrechtet</a:t>
+            </a:r>
+            <a:r>
+              <a:rPr lang="de-CH" sz="3200" dirty="0"/>
+              <a:t> (score </a:t>
+            </a:r>
+            <a:r>
+              <a:rPr lang="de-CH" sz="3200" dirty="0" err="1"/>
+              <a:t>gege</a:t>
             </a:r>
             <a:r>
               <a:rPr lang="de-CH" sz="3200" dirty="0"/>
@@ -7578,21 +7478,40 @@
             </a:r>
             <a:r>
               <a:rPr lang="de-CH" sz="3200" dirty="0" err="1"/>
-              <a:t>playing</a:t>
+              <a:t>s’maximum</a:t>
             </a:r>
             <a:r>
               <a:rPr lang="de-CH" sz="3200" dirty="0"/>
-              <a:t>:</a:t>
-            </a:r>
-          </a:p>
-          <a:p>
-            <a:pPr marL="914400" lvl="1" indent="-457200">
+              <a:t>)</a:t>
+            </a:r>
+          </a:p>
+          <a:p>
+            <a:pPr marL="457200" indent="-457200">
               <a:buFont typeface="Wingdings" panose="05000000000000000000" pitchFamily="2" charset="2"/>
               <a:buChar char="v"/>
             </a:pPr>
             <a:r>
+              <a:rPr lang="de-CH" sz="3200" dirty="0"/>
+              <a:t>… ?</a:t>
+            </a:r>
+          </a:p>
+          <a:p>
+            <a:endParaRPr lang="de-CH" sz="3200" dirty="0"/>
+          </a:p>
+          <a:p>
+            <a:endParaRPr lang="de-CH" sz="3200" dirty="0"/>
+          </a:p>
+          <a:p>
+            <a:endParaRPr lang="de-CH" sz="3200" dirty="0"/>
+          </a:p>
+          <a:p>
+            <a:r>
+              <a:rPr lang="de-CH" sz="3200" dirty="0"/>
+              <a:t>… </a:t>
+            </a:r>
+            <a:r>
               <a:rPr lang="de-CH" sz="3200" dirty="0" err="1"/>
-              <a:t>För</a:t>
+              <a:t>ufjedefall</a:t>
             </a:r>
             <a:r>
               <a:rPr lang="de-CH" sz="3200" dirty="0"/>
@@ -7600,7 +7519,7 @@
             </a:r>
             <a:r>
               <a:rPr lang="de-CH" sz="3200" dirty="0" err="1"/>
-              <a:t>jedi</a:t>
+              <a:t>hemmers</a:t>
             </a:r>
             <a:r>
               <a:rPr lang="de-CH" sz="3200" dirty="0"/>
@@ -7608,7 +7527,7 @@
             </a:r>
             <a:r>
               <a:rPr lang="de-CH" sz="3200" dirty="0" err="1"/>
-              <a:t>spelbari</a:t>
+              <a:t>ned</a:t>
             </a:r>
             <a:r>
               <a:rPr lang="de-CH" sz="3200" dirty="0"/>
@@ -7616,89 +7535,30 @@
             </a:r>
             <a:r>
               <a:rPr lang="de-CH" sz="3200" dirty="0" err="1"/>
-              <a:t>charte</a:t>
-            </a:r>
-            <a:r>
-              <a:rPr lang="de-CH" sz="3200" dirty="0"/>
-              <a:t> </a:t>
-            </a:r>
-            <a:r>
-              <a:rPr lang="de-CH" sz="3200" dirty="0" err="1"/>
-              <a:t>index</a:t>
-            </a:r>
-            <a:r>
-              <a:rPr lang="de-CH" sz="3200" dirty="0"/>
-              <a:t> 36-71 </a:t>
-            </a:r>
-            <a:r>
-              <a:rPr lang="de-CH" sz="3200" dirty="0" err="1"/>
-              <a:t>fölle</a:t>
-            </a:r>
-            <a:br>
-              <a:rPr lang="de-CH" sz="3200" dirty="0"/>
-            </a:br>
-            <a:r>
-              <a:rPr lang="de-CH" sz="3200" dirty="0" err="1"/>
-              <a:t>s’beste</a:t>
-            </a:r>
-            <a:r>
-              <a:rPr lang="de-CH" sz="3200" dirty="0"/>
-              <a:t> </a:t>
-            </a:r>
-            <a:r>
-              <a:rPr lang="de-CH" sz="3200" dirty="0" err="1"/>
-              <a:t>ergebniss</a:t>
-            </a:r>
-            <a:r>
-              <a:rPr lang="de-CH" sz="3200" dirty="0"/>
-              <a:t> </a:t>
-            </a:r>
-            <a:r>
-              <a:rPr lang="de-CH" sz="3200" dirty="0" err="1"/>
-              <a:t>spellt</a:t>
-            </a:r>
-            <a:r>
-              <a:rPr lang="de-CH" sz="3200" dirty="0"/>
-              <a:t> die </a:t>
-            </a:r>
-            <a:r>
-              <a:rPr lang="de-CH" sz="3200" dirty="0" err="1"/>
-              <a:t>charte</a:t>
+              <a:t>gschafft</a:t>
             </a:r>
             <a:endParaRPr lang="de-CH" sz="3200" dirty="0"/>
           </a:p>
           <a:p>
-            <a:pPr marL="914400" lvl="1" indent="-457200">
+            <a:pPr marL="457200" indent="-457200">
               <a:buFont typeface="Wingdings" panose="05000000000000000000" pitchFamily="2" charset="2"/>
               <a:buChar char="v"/>
             </a:pPr>
-            <a:r>
-              <a:rPr lang="de-CH" sz="3200" dirty="0"/>
-              <a:t>=&gt; </a:t>
-            </a:r>
-            <a:r>
-              <a:rPr lang="de-CH" sz="3200" dirty="0" err="1"/>
-              <a:t>hed</a:t>
-            </a:r>
-            <a:r>
-              <a:rPr lang="de-CH" sz="3200" dirty="0"/>
-              <a:t> aber sehr… schlecht </a:t>
-            </a:r>
-            <a:r>
-              <a:rPr lang="de-CH" sz="3200" dirty="0" err="1"/>
-              <a:t>gspellt</a:t>
-            </a:r>
-            <a:r>
-              <a:rPr lang="de-CH" sz="3200" dirty="0"/>
-              <a:t>…</a:t>
-            </a:r>
+            <a:endParaRPr lang="de-CH" sz="3200" dirty="0"/>
+          </a:p>
+          <a:p>
+            <a:pPr marL="457200" indent="-457200">
+              <a:buFont typeface="Wingdings" panose="05000000000000000000" pitchFamily="2" charset="2"/>
+              <a:buChar char="v"/>
+            </a:pPr>
+            <a:endParaRPr lang="de-CH" sz="3200" dirty="0"/>
           </a:p>
         </p:txBody>
       </p:sp>
     </p:spTree>
     <p:extLst>
       <p:ext uri="{BB962C8B-B14F-4D97-AF65-F5344CB8AC3E}">
-        <p14:creationId xmlns:p14="http://schemas.microsoft.com/office/powerpoint/2010/main" val="2096733065"/>
+        <p14:creationId xmlns:p14="http://schemas.microsoft.com/office/powerpoint/2010/main" val="1567812088"/>
       </p:ext>
     </p:extLst>
   </p:cSld>
@@ -7739,279 +7599,6 @@
         </p:nvSpPr>
         <p:spPr>
           <a:xfrm>
-            <a:off x="6296212" y="-36643"/>
-            <a:ext cx="5895787" cy="707886"/>
-          </a:xfrm>
-          <a:prstGeom prst="rect">
-            <a:avLst/>
-          </a:prstGeom>
-          <a:noFill/>
-        </p:spPr>
-        <p:txBody>
-          <a:bodyPr wrap="square" rtlCol="0">
-            <a:spAutoFit/>
-          </a:bodyPr>
-          <a:lstStyle/>
-          <a:p>
-            <a:pPr algn="r"/>
-            <a:r>
-              <a:rPr lang="de-CH" sz="4000" dirty="0">
-                <a:latin typeface="ADLaM Display" panose="02010000000000000000" pitchFamily="2" charset="0"/>
-                <a:ea typeface="ADLaM Display" panose="02010000000000000000" pitchFamily="2" charset="0"/>
-                <a:cs typeface="ADLaM Display" panose="02010000000000000000" pitchFamily="2" charset="0"/>
-              </a:rPr>
-              <a:t>Charte </a:t>
-            </a:r>
-            <a:r>
-              <a:rPr lang="de-CH" sz="4000" dirty="0" err="1">
-                <a:latin typeface="ADLaM Display" panose="02010000000000000000" pitchFamily="2" charset="0"/>
-                <a:ea typeface="ADLaM Display" panose="02010000000000000000" pitchFamily="2" charset="0"/>
-                <a:cs typeface="ADLaM Display" panose="02010000000000000000" pitchFamily="2" charset="0"/>
-              </a:rPr>
-              <a:t>Spele</a:t>
-            </a:r>
-            <a:endParaRPr lang="de-CH" sz="4000" dirty="0">
-              <a:latin typeface="ADLaM Display" panose="02010000000000000000" pitchFamily="2" charset="0"/>
-              <a:ea typeface="ADLaM Display" panose="02010000000000000000" pitchFamily="2" charset="0"/>
-              <a:cs typeface="ADLaM Display" panose="02010000000000000000" pitchFamily="2" charset="0"/>
-            </a:endParaRPr>
-          </a:p>
-        </p:txBody>
-      </p:sp>
-      <p:sp>
-        <p:nvSpPr>
-          <p:cNvPr id="31" name="Textfeld 30">
-            <a:extLst>
-              <a:ext uri="{FF2B5EF4-FFF2-40B4-BE49-F238E27FC236}">
-                <a16:creationId xmlns:a16="http://schemas.microsoft.com/office/drawing/2014/main" id="{BE80EDCF-E205-5937-C295-11F4A4193904}"/>
-              </a:ext>
-            </a:extLst>
-          </p:cNvPr>
-          <p:cNvSpPr txBox="1"/>
-          <p:nvPr/>
-        </p:nvSpPr>
-        <p:spPr>
-          <a:xfrm>
-            <a:off x="1359169" y="818563"/>
-            <a:ext cx="9507175" cy="369332"/>
-          </a:xfrm>
-          <a:prstGeom prst="rect">
-            <a:avLst/>
-          </a:prstGeom>
-          <a:noFill/>
-        </p:spPr>
-        <p:txBody>
-          <a:bodyPr wrap="square" rtlCol="0">
-            <a:spAutoFit/>
-          </a:bodyPr>
-          <a:lstStyle/>
-          <a:p>
-            <a:pPr algn="ctr"/>
-            <a:r>
-              <a:rPr lang="de-CH" b="1" dirty="0" err="1"/>
-              <a:t>Versuech</a:t>
-            </a:r>
-            <a:r>
-              <a:rPr lang="de-CH" b="1" dirty="0"/>
-              <a:t> 2…</a:t>
-            </a:r>
-            <a:endParaRPr lang="de-CH" dirty="0"/>
-          </a:p>
-        </p:txBody>
-      </p:sp>
-      <p:sp>
-        <p:nvSpPr>
-          <p:cNvPr id="2" name="Textfeld 1">
-            <a:extLst>
-              <a:ext uri="{FF2B5EF4-FFF2-40B4-BE49-F238E27FC236}">
-                <a16:creationId xmlns:a16="http://schemas.microsoft.com/office/drawing/2014/main" id="{A8C2FBCF-A9D7-83D3-E275-91F5155BC186}"/>
-              </a:ext>
-            </a:extLst>
-          </p:cNvPr>
-          <p:cNvSpPr txBox="1"/>
-          <p:nvPr/>
-        </p:nvSpPr>
-        <p:spPr>
-          <a:xfrm>
-            <a:off x="1057778" y="1967925"/>
-            <a:ext cx="11134222" cy="4524315"/>
-          </a:xfrm>
-          <a:prstGeom prst="rect">
-            <a:avLst/>
-          </a:prstGeom>
-          <a:noFill/>
-        </p:spPr>
-        <p:txBody>
-          <a:bodyPr wrap="square" rtlCol="0">
-            <a:spAutoFit/>
-          </a:bodyPr>
-          <a:lstStyle/>
-          <a:p>
-            <a:pPr marL="457200" indent="-457200">
-              <a:buFont typeface="Wingdings" panose="05000000000000000000" pitchFamily="2" charset="2"/>
-              <a:buChar char="v"/>
-            </a:pPr>
-            <a:r>
-              <a:rPr lang="de-CH" sz="3200" dirty="0"/>
-              <a:t>Inputs bim </a:t>
-            </a:r>
-            <a:r>
-              <a:rPr lang="de-CH" sz="3200" dirty="0" err="1"/>
-              <a:t>spele</a:t>
-            </a:r>
-            <a:r>
-              <a:rPr lang="de-CH" sz="3200" dirty="0"/>
-              <a:t> falsch berechnet?</a:t>
-            </a:r>
-          </a:p>
-          <a:p>
-            <a:pPr marL="457200" indent="-457200">
-              <a:buFont typeface="Wingdings" panose="05000000000000000000" pitchFamily="2" charset="2"/>
-              <a:buChar char="v"/>
-            </a:pPr>
-            <a:r>
-              <a:rPr lang="de-CH" sz="3200" dirty="0"/>
-              <a:t>Trainiere falsch </a:t>
-            </a:r>
-            <a:r>
-              <a:rPr lang="de-CH" sz="3200" dirty="0" err="1"/>
-              <a:t>iigrechtet</a:t>
-            </a:r>
-            <a:r>
-              <a:rPr lang="de-CH" sz="3200" dirty="0"/>
-              <a:t> (score </a:t>
-            </a:r>
-            <a:r>
-              <a:rPr lang="de-CH" sz="3200" dirty="0" err="1"/>
-              <a:t>gege</a:t>
-            </a:r>
-            <a:r>
-              <a:rPr lang="de-CH" sz="3200" dirty="0"/>
-              <a:t> </a:t>
-            </a:r>
-            <a:r>
-              <a:rPr lang="de-CH" sz="3200" dirty="0" err="1"/>
-              <a:t>s’maximum</a:t>
-            </a:r>
-            <a:r>
-              <a:rPr lang="de-CH" sz="3200" dirty="0"/>
-              <a:t>)</a:t>
-            </a:r>
-          </a:p>
-          <a:p>
-            <a:pPr marL="457200" indent="-457200">
-              <a:buFont typeface="Wingdings" panose="05000000000000000000" pitchFamily="2" charset="2"/>
-              <a:buChar char="v"/>
-            </a:pPr>
-            <a:r>
-              <a:rPr lang="de-CH" sz="3200" dirty="0"/>
-              <a:t>… ?</a:t>
-            </a:r>
-          </a:p>
-          <a:p>
-            <a:endParaRPr lang="de-CH" sz="3200" dirty="0"/>
-          </a:p>
-          <a:p>
-            <a:endParaRPr lang="de-CH" sz="3200" dirty="0"/>
-          </a:p>
-          <a:p>
-            <a:endParaRPr lang="de-CH" sz="3200" dirty="0"/>
-          </a:p>
-          <a:p>
-            <a:r>
-              <a:rPr lang="de-CH" sz="3200" dirty="0"/>
-              <a:t>… </a:t>
-            </a:r>
-            <a:r>
-              <a:rPr lang="de-CH" sz="3200" dirty="0" err="1"/>
-              <a:t>ufjedefall</a:t>
-            </a:r>
-            <a:r>
-              <a:rPr lang="de-CH" sz="3200" dirty="0"/>
-              <a:t> </a:t>
-            </a:r>
-            <a:r>
-              <a:rPr lang="de-CH" sz="3200" dirty="0" err="1"/>
-              <a:t>hemmers</a:t>
-            </a:r>
-            <a:r>
-              <a:rPr lang="de-CH" sz="3200" dirty="0"/>
-              <a:t> </a:t>
-            </a:r>
-            <a:r>
-              <a:rPr lang="de-CH" sz="3200" dirty="0" err="1"/>
-              <a:t>ned</a:t>
-            </a:r>
-            <a:r>
-              <a:rPr lang="de-CH" sz="3200" dirty="0"/>
-              <a:t> </a:t>
-            </a:r>
-            <a:r>
-              <a:rPr lang="de-CH" sz="3200" dirty="0" err="1"/>
-              <a:t>gschafft</a:t>
-            </a:r>
-            <a:endParaRPr lang="de-CH" sz="3200" dirty="0"/>
-          </a:p>
-          <a:p>
-            <a:pPr marL="457200" indent="-457200">
-              <a:buFont typeface="Wingdings" panose="05000000000000000000" pitchFamily="2" charset="2"/>
-              <a:buChar char="v"/>
-            </a:pPr>
-            <a:endParaRPr lang="de-CH" sz="3200" dirty="0"/>
-          </a:p>
-          <a:p>
-            <a:pPr marL="457200" indent="-457200">
-              <a:buFont typeface="Wingdings" panose="05000000000000000000" pitchFamily="2" charset="2"/>
-              <a:buChar char="v"/>
-            </a:pPr>
-            <a:endParaRPr lang="de-CH" sz="3200" dirty="0"/>
-          </a:p>
-        </p:txBody>
-      </p:sp>
-    </p:spTree>
-    <p:extLst>
-      <p:ext uri="{BB962C8B-B14F-4D97-AF65-F5344CB8AC3E}">
-        <p14:creationId xmlns:p14="http://schemas.microsoft.com/office/powerpoint/2010/main" val="1567812088"/>
-      </p:ext>
-    </p:extLst>
-  </p:cSld>
-  <p:clrMapOvr>
-    <a:masterClrMapping/>
-  </p:clrMapOvr>
-</p:sld>
-</file>
-
-<file path=ppt/slides/slide15.xml><?xml version="1.0" encoding="utf-8"?>
-<p:sld xmlns:a="http://schemas.openxmlformats.org/drawingml/2006/main" xmlns:r="http://schemas.openxmlformats.org/officeDocument/2006/relationships" xmlns:p="http://schemas.openxmlformats.org/presentationml/2006/main">
-  <p:cSld>
-    <p:spTree>
-      <p:nvGrpSpPr>
-        <p:cNvPr id="1" name=""/>
-        <p:cNvGrpSpPr/>
-        <p:nvPr/>
-      </p:nvGrpSpPr>
-      <p:grpSpPr>
-        <a:xfrm>
-          <a:off x="0" y="0"/>
-          <a:ext cx="0" cy="0"/>
-          <a:chOff x="0" y="0"/>
-          <a:chExt cx="0" cy="0"/>
-        </a:xfrm>
-      </p:grpSpPr>
-      <p:sp>
-        <p:nvSpPr>
-          <p:cNvPr id="1054" name="Textfeld 1053">
-            <a:extLst>
-              <a:ext uri="{FF2B5EF4-FFF2-40B4-BE49-F238E27FC236}">
-                <a16:creationId xmlns:a16="http://schemas.microsoft.com/office/drawing/2014/main" id="{5CB13B14-3B41-E9C7-665A-75D7A522ECF6}"/>
-              </a:ext>
-            </a:extLst>
-          </p:cNvPr>
-          <p:cNvSpPr txBox="1"/>
-          <p:nvPr/>
-        </p:nvSpPr>
-        <p:spPr>
-          <a:xfrm>
             <a:off x="4508500" y="-36643"/>
             <a:ext cx="7683499" cy="707886"/>
           </a:xfrm>
@@ -8238,7 +7825,7 @@
 </p:sld>
 </file>
 
-<file path=ppt/slides/slide16.xml><?xml version="1.0" encoding="utf-8"?>
+<file path=ppt/slides/slide15.xml><?xml version="1.0" encoding="utf-8"?>
 <p:sld xmlns:a="http://schemas.openxmlformats.org/drawingml/2006/main" xmlns:r="http://schemas.openxmlformats.org/officeDocument/2006/relationships" xmlns:p="http://schemas.openxmlformats.org/presentationml/2006/main">
   <p:cSld>
     <p:spTree>
@@ -11086,7 +10673,7 @@
 </p:sld>
 </file>
 
-<file path=ppt/slides/slide17.xml><?xml version="1.0" encoding="utf-8"?>
+<file path=ppt/slides/slide16.xml><?xml version="1.0" encoding="utf-8"?>
 <p:sld xmlns:a="http://schemas.openxmlformats.org/drawingml/2006/main" xmlns:r="http://schemas.openxmlformats.org/officeDocument/2006/relationships" xmlns:p="http://schemas.openxmlformats.org/presentationml/2006/main">
   <p:cSld>
     <p:spTree>
